--- a/PPT/卒業研究_mac.pptx
+++ b/PPT/卒業研究_mac.pptx
@@ -13023,14 +13023,10 @@
             </a:r>
             <a:r>
               <a:rPr lang="en-US" altLang="ja-JP" sz="2000" dirty="0"/>
-              <a:t> SIR </a:t>
-            </a:r>
-            <a:r>
-              <a:rPr lang="en-US" altLang="ja-JP" sz="2000"/>
-              <a:t>Epidemic </a:t>
-            </a:r>
-            <a:r>
-              <a:rPr lang="en-US" altLang="ja-JP" sz="2000" smtClean="0"/>
+              <a:t> SIR Epidemic </a:t>
+            </a:r>
+            <a:r>
+              <a:rPr lang="en-US" altLang="ja-JP" sz="2000" dirty="0" smtClean="0"/>
               <a:t>Model.</a:t>
             </a:r>
             <a:endParaRPr lang="en-US" altLang="ja-JP" sz="2000" dirty="0" smtClean="0"/>
@@ -13038,7 +13034,7 @@
           <a:p>
             <a:r>
               <a:rPr lang="en-US" altLang="ja-JP" sz="2000" dirty="0" smtClean="0"/>
-              <a:t>Enrique </a:t>
+              <a:t>[2]Enrique </a:t>
             </a:r>
             <a:r>
               <a:rPr lang="en-US" altLang="ja-JP" sz="2000" dirty="0" err="1" smtClean="0"/>
@@ -13050,15 +13046,19 @@
             </a:r>
             <a:r>
               <a:rPr lang="en-US" altLang="ja-JP" sz="2000" dirty="0" err="1" smtClean="0"/>
-              <a:t>Fr´ıas-Mart´ınez</a:t>
+              <a:t>Fr´ıas-Mart´</a:t>
+            </a:r>
+            <a:r>
+              <a:rPr lang="en-US" altLang="ja-JP" sz="2000" dirty="0" err="1" smtClean="0"/>
+              <a:t>ınez</a:t>
             </a:r>
             <a:r>
               <a:rPr lang="en-US" altLang="ja-JP" sz="2000" dirty="0" smtClean="0"/>
-              <a:t>:” </a:t>
+              <a:t>, An </a:t>
             </a:r>
             <a:r>
               <a:rPr lang="en-US" altLang="ja-JP" sz="2000" dirty="0"/>
-              <a:t>An Agent-Based Model of Epidemic Spread </a:t>
+              <a:t>Agent-Based Model of Epidemic Spread </a:t>
             </a:r>
             <a:r>
               <a:rPr lang="en-US" altLang="ja-JP" sz="2000" dirty="0" smtClean="0"/>
@@ -13070,8 +13070,9 @@
             </a:r>
             <a:r>
               <a:rPr lang="en-US" altLang="ja-JP" sz="2000" dirty="0" smtClean="0"/>
-              <a:t>Information”</a:t>
-            </a:r>
+              <a:t>Information.</a:t>
+            </a:r>
+            <a:endParaRPr lang="en-US" altLang="ja-JP" sz="2000" dirty="0" smtClean="0"/>
           </a:p>
         </p:txBody>
       </p:sp>
